--- a/DocgenTemplates/CertificateBackground_SU.pptx
+++ b/DocgenTemplates/CertificateBackground_SU.pptx
@@ -112,69 +112,29 @@
 </p:presentation>
 </file>
 
-<file path=ppt/revisionInfo.xml><?xml version="1.0" encoding="utf-8"?>
-<p1510:revInfo xmlns:a="http://schemas.openxmlformats.org/drawingml/2006/main" xmlns:r="http://schemas.openxmlformats.org/officeDocument/2006/relationships" xmlns:p1510="http://schemas.microsoft.com/office/powerpoint/2015/10/main">
-  <p1510:revLst>
-    <p1510:client id="{D3C6E83E-C643-4A9E-B610-74409A57947D}" v="20" dt="2024-05-22T09:44:56.333"/>
-  </p1510:revLst>
-</p1510:revInfo>
-</file>
-
 <file path=ppt/changesInfos/changesInfo1.xml><?xml version="1.0" encoding="utf-8"?>
 <pc:chgInfo xmlns:a="http://schemas.openxmlformats.org/drawingml/2006/main" xmlns:r="http://schemas.openxmlformats.org/officeDocument/2006/relationships" xmlns:ac="http://schemas.microsoft.com/office/drawing/2013/main/command" xmlns:pc="http://schemas.microsoft.com/office/powerpoint/2013/main/command">
   <pc:docChgLst>
-    <pc:chgData name="Narendra Patil, Kiran" userId="bd8726b3-9de5-4981-82ea-44e4ceaf49c4" providerId="ADAL" clId="{D3C6E83E-C643-4A9E-B610-74409A57947D}"/>
+    <pc:chgData name="Narendra Patil, Kiran" userId="bd8726b3-9de5-4981-82ea-44e4ceaf49c4" providerId="ADAL" clId="{05612189-DF04-46C7-8FF2-69B5171090D6}"/>
     <pc:docChg chg="undo custSel modSld">
-      <pc:chgData name="Narendra Patil, Kiran" userId="bd8726b3-9de5-4981-82ea-44e4ceaf49c4" providerId="ADAL" clId="{D3C6E83E-C643-4A9E-B610-74409A57947D}" dt="2024-05-22T09:53:52.251" v="41" actId="1076"/>
+      <pc:chgData name="Narendra Patil, Kiran" userId="bd8726b3-9de5-4981-82ea-44e4ceaf49c4" providerId="ADAL" clId="{05612189-DF04-46C7-8FF2-69B5171090D6}" dt="2024-08-07T10:08:46.460" v="17" actId="113"/>
       <pc:docMkLst>
         <pc:docMk/>
       </pc:docMkLst>
-      <pc:sldChg chg="addSp delSp modSp mod">
-        <pc:chgData name="Narendra Patil, Kiran" userId="bd8726b3-9de5-4981-82ea-44e4ceaf49c4" providerId="ADAL" clId="{D3C6E83E-C643-4A9E-B610-74409A57947D}" dt="2024-05-22T09:53:52.251" v="41" actId="1076"/>
+      <pc:sldChg chg="modSp mod">
+        <pc:chgData name="Narendra Patil, Kiran" userId="bd8726b3-9de5-4981-82ea-44e4ceaf49c4" providerId="ADAL" clId="{05612189-DF04-46C7-8FF2-69B5171090D6}" dt="2024-08-07T10:08:46.460" v="17" actId="113"/>
         <pc:sldMkLst>
           <pc:docMk/>
           <pc:sldMk cId="1830213082" sldId="256"/>
         </pc:sldMkLst>
-        <pc:spChg chg="del mod">
-          <ac:chgData name="Narendra Patil, Kiran" userId="bd8726b3-9de5-4981-82ea-44e4ceaf49c4" providerId="ADAL" clId="{D3C6E83E-C643-4A9E-B610-74409A57947D}" dt="2024-05-22T09:44:45.436" v="33" actId="478"/>
-          <ac:spMkLst>
-            <pc:docMk/>
-            <pc:sldMk cId="1830213082" sldId="256"/>
-            <ac:spMk id="2" creationId="{E94C7DEA-7966-6A20-41B6-B1766FE01CEE}"/>
-          </ac:spMkLst>
-        </pc:spChg>
         <pc:spChg chg="mod">
-          <ac:chgData name="Narendra Patil, Kiran" userId="bd8726b3-9de5-4981-82ea-44e4ceaf49c4" providerId="ADAL" clId="{D3C6E83E-C643-4A9E-B610-74409A57947D}" dt="2024-05-22T09:53:24.964" v="40" actId="14100"/>
+          <ac:chgData name="Narendra Patil, Kiran" userId="bd8726b3-9de5-4981-82ea-44e4ceaf49c4" providerId="ADAL" clId="{05612189-DF04-46C7-8FF2-69B5171090D6}" dt="2024-08-07T10:08:46.460" v="17" actId="113"/>
           <ac:spMkLst>
             <pc:docMk/>
             <pc:sldMk cId="1830213082" sldId="256"/>
             <ac:spMk id="10" creationId="{AE09E6F9-A32A-FB75-FC6B-AFAC14566971}"/>
           </ac:spMkLst>
         </pc:spChg>
-        <pc:spChg chg="add mod">
-          <ac:chgData name="Narendra Patil, Kiran" userId="bd8726b3-9de5-4981-82ea-44e4ceaf49c4" providerId="ADAL" clId="{D3C6E83E-C643-4A9E-B610-74409A57947D}" dt="2024-05-22T09:53:52.251" v="41" actId="1076"/>
-          <ac:spMkLst>
-            <pc:docMk/>
-            <pc:sldMk cId="1830213082" sldId="256"/>
-            <ac:spMk id="15" creationId="{DE0B0ACC-F879-5813-6C19-06FDE5D6375B}"/>
-          </ac:spMkLst>
-        </pc:spChg>
-        <pc:picChg chg="mod">
-          <ac:chgData name="Narendra Patil, Kiran" userId="bd8726b3-9de5-4981-82ea-44e4ceaf49c4" providerId="ADAL" clId="{D3C6E83E-C643-4A9E-B610-74409A57947D}" dt="2024-05-22T09:37:20.667" v="16" actId="1076"/>
-          <ac:picMkLst>
-            <pc:docMk/>
-            <pc:sldMk cId="1830213082" sldId="256"/>
-            <ac:picMk id="6" creationId="{0D3E869F-D8EE-189B-CF7C-EB3D39F3E0DD}"/>
-          </ac:picMkLst>
-        </pc:picChg>
-        <pc:picChg chg="mod">
-          <ac:chgData name="Narendra Patil, Kiran" userId="bd8726b3-9de5-4981-82ea-44e4ceaf49c4" providerId="ADAL" clId="{D3C6E83E-C643-4A9E-B610-74409A57947D}" dt="2024-05-22T09:37:42.297" v="21" actId="1076"/>
-          <ac:picMkLst>
-            <pc:docMk/>
-            <pc:sldMk cId="1830213082" sldId="256"/>
-            <ac:picMk id="2049" creationId="{34CF6E91-A6AF-2C7F-5806-7780AED32A0D}"/>
-          </ac:picMkLst>
-        </pc:picChg>
       </pc:sldChg>
     </pc:docChg>
   </pc:docChgLst>
@@ -312,7 +272,7 @@
           <a:p>
             <a:fld id="{E0C45857-5204-4055-BBBB-5D81F6C0DEE1}" type="datetimeFigureOut">
               <a:rPr lang="en-US" smtClean="0"/>
-              <a:t>5/23/2024</a:t>
+              <a:t>8/7/2024</a:t>
             </a:fld>
             <a:endParaRPr lang="en-US"/>
           </a:p>
@@ -482,7 +442,7 @@
           <a:p>
             <a:fld id="{E0C45857-5204-4055-BBBB-5D81F6C0DEE1}" type="datetimeFigureOut">
               <a:rPr lang="en-US" smtClean="0"/>
-              <a:t>5/23/2024</a:t>
+              <a:t>8/7/2024</a:t>
             </a:fld>
             <a:endParaRPr lang="en-US"/>
           </a:p>
@@ -662,7 +622,7 @@
           <a:p>
             <a:fld id="{E0C45857-5204-4055-BBBB-5D81F6C0DEE1}" type="datetimeFigureOut">
               <a:rPr lang="en-US" smtClean="0"/>
-              <a:t>5/23/2024</a:t>
+              <a:t>8/7/2024</a:t>
             </a:fld>
             <a:endParaRPr lang="en-US"/>
           </a:p>
@@ -832,7 +792,7 @@
           <a:p>
             <a:fld id="{E0C45857-5204-4055-BBBB-5D81F6C0DEE1}" type="datetimeFigureOut">
               <a:rPr lang="en-US" smtClean="0"/>
-              <a:t>5/23/2024</a:t>
+              <a:t>8/7/2024</a:t>
             </a:fld>
             <a:endParaRPr lang="en-US"/>
           </a:p>
@@ -1076,7 +1036,7 @@
           <a:p>
             <a:fld id="{E0C45857-5204-4055-BBBB-5D81F6C0DEE1}" type="datetimeFigureOut">
               <a:rPr lang="en-US" smtClean="0"/>
-              <a:t>5/23/2024</a:t>
+              <a:t>8/7/2024</a:t>
             </a:fld>
             <a:endParaRPr lang="en-US"/>
           </a:p>
@@ -1308,7 +1268,7 @@
           <a:p>
             <a:fld id="{E0C45857-5204-4055-BBBB-5D81F6C0DEE1}" type="datetimeFigureOut">
               <a:rPr lang="en-US" smtClean="0"/>
-              <a:t>5/23/2024</a:t>
+              <a:t>8/7/2024</a:t>
             </a:fld>
             <a:endParaRPr lang="en-US"/>
           </a:p>
@@ -1675,7 +1635,7 @@
           <a:p>
             <a:fld id="{E0C45857-5204-4055-BBBB-5D81F6C0DEE1}" type="datetimeFigureOut">
               <a:rPr lang="en-US" smtClean="0"/>
-              <a:t>5/23/2024</a:t>
+              <a:t>8/7/2024</a:t>
             </a:fld>
             <a:endParaRPr lang="en-US"/>
           </a:p>
@@ -1793,7 +1753,7 @@
           <a:p>
             <a:fld id="{E0C45857-5204-4055-BBBB-5D81F6C0DEE1}" type="datetimeFigureOut">
               <a:rPr lang="en-US" smtClean="0"/>
-              <a:t>5/23/2024</a:t>
+              <a:t>8/7/2024</a:t>
             </a:fld>
             <a:endParaRPr lang="en-US"/>
           </a:p>
@@ -1888,7 +1848,7 @@
           <a:p>
             <a:fld id="{E0C45857-5204-4055-BBBB-5D81F6C0DEE1}" type="datetimeFigureOut">
               <a:rPr lang="en-US" smtClean="0"/>
-              <a:t>5/23/2024</a:t>
+              <a:t>8/7/2024</a:t>
             </a:fld>
             <a:endParaRPr lang="en-US"/>
           </a:p>
@@ -2165,7 +2125,7 @@
           <a:p>
             <a:fld id="{E0C45857-5204-4055-BBBB-5D81F6C0DEE1}" type="datetimeFigureOut">
               <a:rPr lang="en-US" smtClean="0"/>
-              <a:t>5/23/2024</a:t>
+              <a:t>8/7/2024</a:t>
             </a:fld>
             <a:endParaRPr lang="en-US"/>
           </a:p>
@@ -2422,7 +2382,7 @@
           <a:p>
             <a:fld id="{E0C45857-5204-4055-BBBB-5D81F6C0DEE1}" type="datetimeFigureOut">
               <a:rPr lang="en-US" smtClean="0"/>
-              <a:t>5/23/2024</a:t>
+              <a:t>8/7/2024</a:t>
             </a:fld>
             <a:endParaRPr lang="en-US"/>
           </a:p>
@@ -2635,7 +2595,7 @@
           <a:p>
             <a:fld id="{E0C45857-5204-4055-BBBB-5D81F6C0DEE1}" type="datetimeFigureOut">
               <a:rPr lang="en-US" smtClean="0"/>
-              <a:t>5/23/2024</a:t>
+              <a:t>8/7/2024</a:t>
             </a:fld>
             <a:endParaRPr lang="en-US"/>
           </a:p>
@@ -3523,7 +3483,7 @@
         <p:spPr>
           <a:xfrm>
             <a:off x="2352412" y="2256626"/>
-            <a:ext cx="7406360" cy="3976986"/>
+            <a:ext cx="7406360" cy="3976923"/>
           </a:xfrm>
           <a:prstGeom prst="rect">
             <a:avLst/>
@@ -3945,31 +3905,44 @@
                 <a:latin typeface="BC Sans"/>
                 <a:ea typeface="Verdana" panose="020B0604030504040204" pitchFamily="34" charset="0"/>
               </a:rPr>
-              <a:t>CONDITIONS: {{Condition}} </a:t>
-            </a:r>
-            <a:r>
-              <a:rPr lang="en-US" sz="1400" dirty="0">
+              <a:t>CONDITIONS: {{</a:t>
+            </a:r>
+            <a:r>
+              <a:rPr lang="en-US" sz="1400" b="1" dirty="0" err="1">
                 <a:solidFill>
                   <a:srgbClr val="3B305B"/>
                 </a:solidFill>
                 <a:latin typeface="BC Sans"/>
                 <a:ea typeface="Verdana" panose="020B0604030504040204" pitchFamily="34" charset="0"/>
               </a:rPr>
-              <a:t>{{Condition1}} </a:t>
-            </a:r>
-            <a:endParaRPr lang="en-US" sz="1400" dirty="0">
-              <a:effectLst/>
+              <a:t>ConditionAndDescription</a:t>
+            </a:r>
+            <a:r>
+              <a:rPr lang="en-US" sz="1400" b="1" dirty="0">
+                <a:solidFill>
+                  <a:srgbClr val="3B305B"/>
+                </a:solidFill>
+                <a:latin typeface="BC Sans"/>
+                <a:ea typeface="Verdana" panose="020B0604030504040204" pitchFamily="34" charset="0"/>
+              </a:rPr>
+              <a:t>}}</a:t>
+            </a:r>
+            <a:r>
+              <a:rPr lang="en-US" sz="1400" dirty="0">
+                <a:solidFill>
+                  <a:srgbClr val="3B305B"/>
+                </a:solidFill>
+                <a:latin typeface="BC Sans"/>
+                <a:ea typeface="Verdana" panose="020B0604030504040204" pitchFamily="34" charset="0"/>
+              </a:rPr>
+              <a:t>{{ConditionAndDescription1}}</a:t>
+            </a:r>
+            <a:endParaRPr lang="en-CA" sz="1400" dirty="0">
+              <a:solidFill>
+                <a:srgbClr val="3B305B"/>
+              </a:solidFill>
               <a:latin typeface="BC Sans"/>
               <a:ea typeface="Verdana" panose="020B0604030504040204" pitchFamily="34" charset="0"/>
-              <a:cs typeface="Verdana" panose="020B0604030504040204" pitchFamily="34" charset="0"/>
-            </a:endParaRPr>
-          </a:p>
-          <a:p>
-            <a:endParaRPr lang="en-CA" sz="800" dirty="0">
-              <a:effectLst/>
-              <a:latin typeface="BC Sans"/>
-              <a:ea typeface="Verdana" panose="020B0604030504040204" pitchFamily="34" charset="0"/>
-              <a:cs typeface="Verdana" panose="020B0604030504040204" pitchFamily="34" charset="0"/>
             </a:endParaRPr>
           </a:p>
         </p:txBody>
